--- a/prezentacie/t14w.pptx
+++ b/prezentacie/t14w.pptx
@@ -260,7 +260,7 @@
           <a:p>
             <a:fld id="{10052495-8BC8-4CFB-94B1-B0429F101A0D}" type="datetimeFigureOut">
               <a:rPr lang="sk-SK" smtClean="0"/>
-              <a:t>7. 12. 2025</a:t>
+              <a:t>9. 12. 2025</a:t>
             </a:fld>
             <a:endParaRPr lang="sk-SK"/>
           </a:p>
@@ -430,7 +430,7 @@
           <a:p>
             <a:fld id="{10052495-8BC8-4CFB-94B1-B0429F101A0D}" type="datetimeFigureOut">
               <a:rPr lang="sk-SK" smtClean="0"/>
-              <a:t>7. 12. 2025</a:t>
+              <a:t>9. 12. 2025</a:t>
             </a:fld>
             <a:endParaRPr lang="sk-SK"/>
           </a:p>
@@ -610,7 +610,7 @@
           <a:p>
             <a:fld id="{10052495-8BC8-4CFB-94B1-B0429F101A0D}" type="datetimeFigureOut">
               <a:rPr lang="sk-SK" smtClean="0"/>
-              <a:t>7. 12. 2025</a:t>
+              <a:t>9. 12. 2025</a:t>
             </a:fld>
             <a:endParaRPr lang="sk-SK"/>
           </a:p>
@@ -780,7 +780,7 @@
           <a:p>
             <a:fld id="{10052495-8BC8-4CFB-94B1-B0429F101A0D}" type="datetimeFigureOut">
               <a:rPr lang="sk-SK" smtClean="0"/>
-              <a:t>7. 12. 2025</a:t>
+              <a:t>9. 12. 2025</a:t>
             </a:fld>
             <a:endParaRPr lang="sk-SK"/>
           </a:p>
@@ -1026,7 +1026,7 @@
           <a:p>
             <a:fld id="{10052495-8BC8-4CFB-94B1-B0429F101A0D}" type="datetimeFigureOut">
               <a:rPr lang="sk-SK" smtClean="0"/>
-              <a:t>7. 12. 2025</a:t>
+              <a:t>9. 12. 2025</a:t>
             </a:fld>
             <a:endParaRPr lang="sk-SK"/>
           </a:p>
@@ -1258,7 +1258,7 @@
           <a:p>
             <a:fld id="{10052495-8BC8-4CFB-94B1-B0429F101A0D}" type="datetimeFigureOut">
               <a:rPr lang="sk-SK" smtClean="0"/>
-              <a:t>7. 12. 2025</a:t>
+              <a:t>9. 12. 2025</a:t>
             </a:fld>
             <a:endParaRPr lang="sk-SK"/>
           </a:p>
@@ -1625,7 +1625,7 @@
           <a:p>
             <a:fld id="{10052495-8BC8-4CFB-94B1-B0429F101A0D}" type="datetimeFigureOut">
               <a:rPr lang="sk-SK" smtClean="0"/>
-              <a:t>7. 12. 2025</a:t>
+              <a:t>9. 12. 2025</a:t>
             </a:fld>
             <a:endParaRPr lang="sk-SK"/>
           </a:p>
@@ -1743,7 +1743,7 @@
           <a:p>
             <a:fld id="{10052495-8BC8-4CFB-94B1-B0429F101A0D}" type="datetimeFigureOut">
               <a:rPr lang="sk-SK" smtClean="0"/>
-              <a:t>7. 12. 2025</a:t>
+              <a:t>9. 12. 2025</a:t>
             </a:fld>
             <a:endParaRPr lang="sk-SK"/>
           </a:p>
@@ -1838,7 +1838,7 @@
           <a:p>
             <a:fld id="{10052495-8BC8-4CFB-94B1-B0429F101A0D}" type="datetimeFigureOut">
               <a:rPr lang="sk-SK" smtClean="0"/>
-              <a:t>7. 12. 2025</a:t>
+              <a:t>9. 12. 2025</a:t>
             </a:fld>
             <a:endParaRPr lang="sk-SK"/>
           </a:p>
@@ -2115,7 +2115,7 @@
           <a:p>
             <a:fld id="{10052495-8BC8-4CFB-94B1-B0429F101A0D}" type="datetimeFigureOut">
               <a:rPr lang="sk-SK" smtClean="0"/>
-              <a:t>7. 12. 2025</a:t>
+              <a:t>9. 12. 2025</a:t>
             </a:fld>
             <a:endParaRPr lang="sk-SK"/>
           </a:p>
@@ -2372,7 +2372,7 @@
           <a:p>
             <a:fld id="{10052495-8BC8-4CFB-94B1-B0429F101A0D}" type="datetimeFigureOut">
               <a:rPr lang="sk-SK" smtClean="0"/>
-              <a:t>7. 12. 2025</a:t>
+              <a:t>9. 12. 2025</a:t>
             </a:fld>
             <a:endParaRPr lang="sk-SK"/>
           </a:p>
@@ -2585,7 +2585,7 @@
           <a:p>
             <a:fld id="{10052495-8BC8-4CFB-94B1-B0429F101A0D}" type="datetimeFigureOut">
               <a:rPr lang="sk-SK" smtClean="0"/>
-              <a:t>7. 12. 2025</a:t>
+              <a:t>9. 12. 2025</a:t>
             </a:fld>
             <a:endParaRPr lang="sk-SK"/>
           </a:p>
@@ -4886,13 +4886,22 @@
               <a:t> </a:t>
             </a:r>
             <a:r>
+              <a:rPr lang="en-US" b="1" dirty="0">
+                <a:highlight>
+                  <a:srgbClr val="FFFF00"/>
+                </a:highlight>
+                <a:latin typeface="Consolas" panose="020B0609020204030204" pitchFamily="49" charset="0"/>
+              </a:rPr>
+              <a:t>S</a:t>
+            </a:r>
+            <a:r>
               <a:rPr lang="sk-SK" b="1" dirty="0" err="1">
                 <a:highlight>
                   <a:srgbClr val="FFFF00"/>
                 </a:highlight>
                 <a:latin typeface="Consolas" panose="020B0609020204030204" pitchFamily="49" charset="0"/>
               </a:rPr>
-              <a:t>svetovaStrana</a:t>
+              <a:t>vetovaStrana</a:t>
             </a:r>
             <a:r>
               <a:rPr lang="sk-SK" dirty="0">
